--- a/TeamProject - Inventory.pptx
+++ b/TeamProject - Inventory.pptx
@@ -219,7 +219,7 @@
           <a:p>
             <a:fld id="{65DD71D7-55AC-46BD-81B3-09AB2F9EFBD8}" type="datetimeFigureOut">
               <a:rPr lang="en-US" smtClean="0"/>
-              <a:t>6/25/2018</a:t>
+              <a:t>6/26/2018</a:t>
             </a:fld>
             <a:endParaRPr lang="en-US"/>
           </a:p>
@@ -384,7 +384,7 @@
           <a:p>
             <a:fld id="{1F89424F-BB59-4F4E-9822-4CA3E770FFD2}" type="datetimeFigureOut">
               <a:rPr lang="en-US" smtClean="0"/>
-              <a:t>6/25/2018</a:t>
+              <a:t>6/26/2018</a:t>
             </a:fld>
             <a:endParaRPr lang="en-US"/>
           </a:p>
@@ -1082,7 +1082,7 @@
             <a:fld id="{C9872EE9-AF66-483C-961F-59B9F002993E}" type="datetime1">
               <a:rPr lang="en-US" smtClean="0"/>
               <a:pPr/>
-              <a:t>6/25/2018</a:t>
+              <a:t>6/26/2018</a:t>
             </a:fld>
             <a:endParaRPr lang="en-US" dirty="0"/>
           </a:p>
@@ -1276,7 +1276,7 @@
             <a:fld id="{C7BEAFD5-7FA3-40FB-875B-457FB46B25A4}" type="datetime1">
               <a:rPr lang="en-US" smtClean="0"/>
               <a:pPr/>
-              <a:t>6/25/2018</a:t>
+              <a:t>6/26/2018</a:t>
             </a:fld>
             <a:endParaRPr lang="en-US" dirty="0"/>
           </a:p>
@@ -1460,7 +1460,7 @@
             <a:fld id="{89AD63E2-E931-4653-BB33-A910E07D11B2}" type="datetime1">
               <a:rPr lang="en-US" smtClean="0"/>
               <a:pPr/>
-              <a:t>6/25/2018</a:t>
+              <a:t>6/26/2018</a:t>
             </a:fld>
             <a:endParaRPr lang="en-US" dirty="0"/>
           </a:p>
@@ -2008,7 +2008,7 @@
             <a:fld id="{C9EA1F43-559A-4B47-A959-EFB6142CA3A9}" type="datetime1">
               <a:rPr lang="en-US" smtClean="0"/>
               <a:pPr/>
-              <a:t>6/25/2018</a:t>
+              <a:t>6/26/2018</a:t>
             </a:fld>
             <a:endParaRPr lang="en-US" dirty="0"/>
           </a:p>
@@ -2455,7 +2455,7 @@
             <a:fld id="{F1261AED-24AE-4AC7-940D-F7106D2788A3}" type="datetime1">
               <a:rPr lang="en-US" smtClean="0"/>
               <a:pPr/>
-              <a:t>6/25/2018</a:t>
+              <a:t>6/26/2018</a:t>
             </a:fld>
             <a:endParaRPr lang="en-US" dirty="0"/>
           </a:p>
@@ -2588,7 +2588,7 @@
             <a:fld id="{EC425771-5E10-4A19-AB0E-909293152332}" type="datetime1">
               <a:rPr lang="en-US" smtClean="0"/>
               <a:pPr/>
-              <a:t>6/25/2018</a:t>
+              <a:t>6/26/2018</a:t>
             </a:fld>
             <a:endParaRPr lang="en-US" dirty="0"/>
           </a:p>
@@ -2699,7 +2699,7 @@
             <a:fld id="{03606FD5-B03F-45D5-A178-114C548C0032}" type="datetime1">
               <a:rPr lang="en-US" smtClean="0"/>
               <a:pPr/>
-              <a:t>6/25/2018</a:t>
+              <a:t>6/26/2018</a:t>
             </a:fld>
             <a:endParaRPr lang="en-US" dirty="0"/>
           </a:p>
@@ -3084,7 +3084,7 @@
             <a:fld id="{E8B012C0-B102-441D-AA86-2C80DFA84E68}" type="datetime1">
               <a:rPr lang="en-US" smtClean="0"/>
               <a:pPr/>
-              <a:t>6/25/2018</a:t>
+              <a:t>6/26/2018</a:t>
             </a:fld>
             <a:endParaRPr lang="en-US" dirty="0"/>
           </a:p>
@@ -3408,7 +3408,7 @@
             <a:fld id="{601E0B12-F9DE-47EF-A076-CF602073F1B2}" type="datetime1">
               <a:rPr lang="en-US" smtClean="0"/>
               <a:pPr/>
-              <a:t>6/25/2018</a:t>
+              <a:t>6/26/2018</a:t>
             </a:fld>
             <a:endParaRPr lang="en-US" dirty="0"/>
           </a:p>
@@ -3711,7 +3711,7 @@
             <a:fld id="{C8B93266-8FB4-430B-8AE3-3A53F50E1A0B}" type="datetime1">
               <a:rPr lang="en-US" smtClean="0"/>
               <a:pPr/>
-              <a:t>6/25/2018</a:t>
+              <a:t>6/26/2018</a:t>
             </a:fld>
             <a:endParaRPr lang="en-US" dirty="0"/>
           </a:p>
